--- a/ATM 진짜 ppt.pptx
+++ b/ATM 진짜 ppt.pptx
@@ -3553,7 +3553,7 @@
         </p:nvSpPr>
         <p:spPr>
           <a:xfrm>
-            <a:off x="793790" y="2902863"/>
+            <a:off x="793790" y="2510977"/>
             <a:ext cx="5670590" cy="708779"/>
           </a:xfrm>
           <a:prstGeom prst="rect">
@@ -3694,7 +3694,7 @@
         </p:nvSpPr>
         <p:spPr>
           <a:xfrm>
-            <a:off x="5332930" y="4178617"/>
+            <a:off x="4912016" y="4178617"/>
             <a:ext cx="2835235" cy="354330"/>
           </a:xfrm>
           <a:prstGeom prst="rect">
@@ -3741,7 +3741,7 @@
         </p:nvSpPr>
         <p:spPr>
           <a:xfrm>
-            <a:off x="5332928" y="4759764"/>
+            <a:off x="4912014" y="4759764"/>
             <a:ext cx="3978116" cy="362903"/>
           </a:xfrm>
           <a:prstGeom prst="rect">
